--- a/demonstration.pptx
+++ b/demonstration.pptx
@@ -109,6 +109,11 @@
       </a:defRPr>
     </a:lvl9pPr>
   </p:defaultTextStyle>
+  <p:extLst>
+    <p:ext uri="{EFAFB233-063F-42B5-8137-9DF3F51BA10A}">
+      <p15:sldGuideLst xmlns:p15="http://schemas.microsoft.com/office/powerpoint/2012/main"/>
+    </p:ext>
+  </p:extLst>
 </p:presentation>
 </file>
 
@@ -3918,7 +3923,6 @@
               <a:rPr lang="en-US" dirty="0"/>
               <a:t>preparation</a:t>
             </a:r>
-            <a:endParaRPr lang="en-US" dirty="0"/>
           </a:p>
         </p:txBody>
       </p:sp>
@@ -4038,14 +4042,19 @@
           <a:p>
             <a:r>
               <a:rPr lang="en-US" dirty="0"/>
-              <a:t>Tell participant lie down to the bed</a:t>
+              <a:t>tell participant lie down to the bed</a:t>
             </a:r>
           </a:p>
           <a:p>
             <a:r>
               <a:rPr lang="en-US" dirty="0"/>
-              <a:t>Broadcast some relaxing music</a:t>
-            </a:r>
+              <a:t>broadcast some </a:t>
+            </a:r>
+            <a:r>
+              <a:rPr lang="en-US"/>
+              <a:t>relaxing music  https://www.youtube.com/watch?v=LS_9r2-Zjpw&amp;t=406s</a:t>
+            </a:r>
+            <a:endParaRPr lang="en-US" dirty="0"/>
           </a:p>
           <a:p>
             <a:r>
@@ -4313,7 +4322,6 @@
               <a:rPr lang="en-US" dirty="0"/>
               <a:t>Fill the questionnaire @ https://docs.google.com/forms/d/e/1FAIpQLScSnVcTb-Q7blN4ftx4MEt7fPo-AwEeKWH4fPvRb8HPnWRxAQ/viewform?c=0&amp;w=1</a:t>
             </a:r>
-            <a:endParaRPr lang="en-US" dirty="0"/>
           </a:p>
         </p:txBody>
       </p:sp>
